--- a/Presentation1.pptx
+++ b/Presentation1.pptx
@@ -12,6 +12,7 @@
     <p:sldId id="260" r:id="rId6"/>
     <p:sldId id="261" r:id="rId7"/>
     <p:sldId id="262" r:id="rId8"/>
+    <p:sldId id="263" r:id="rId9"/>
   </p:sldIdLst>
   <p:sldSz cx="12192000" cy="6858000"/>
   <p:notesSz cx="6858000" cy="9144000"/>
@@ -110,6 +111,11 @@
       </a:defRPr>
     </a:lvl9pPr>
   </p:defaultTextStyle>
+  <p:extLst>
+    <p:ext uri="{EFAFB233-063F-42B5-8137-9DF3F51BA10A}">
+      <p15:sldGuideLst xmlns:p15="http://schemas.microsoft.com/office/powerpoint/2012/main"/>
+    </p:ext>
+  </p:extLst>
 </p:presentation>
 </file>
 
@@ -163,7 +169,7 @@
           <a:noFill/>
           <a:extLst>
             <a:ext uri="{909E8E84-426E-40dd-AFC4-6F175D3DCCD1}">
-              <a14:hiddenFill xmlns:a14="http://schemas.microsoft.com/office/drawing/2010/main" xmlns="">
+              <a14:hiddenFill xmlns="" xmlns:a14="http://schemas.microsoft.com/office/drawing/2010/main">
                 <a:solidFill>
                   <a:srgbClr val="FFFFFF"/>
                 </a:solidFill>
@@ -223,7 +229,7 @@
             </a:ln>
             <a:extLst>
               <a:ext uri="{91240B29-F687-4f45-9708-019B960494DF}">
-                <a14:hiddenLine xmlns:a14="http://schemas.microsoft.com/office/drawing/2010/main" xmlns="" w="9525">
+                <a14:hiddenLine xmlns="" xmlns:a14="http://schemas.microsoft.com/office/drawing/2010/main" w="9525">
                   <a:solidFill>
                     <a:srgbClr val="000000"/>
                   </a:solidFill>
@@ -313,7 +319,7 @@
             </a:ln>
             <a:extLst>
               <a:ext uri="{91240B29-F687-4f45-9708-019B960494DF}">
-                <a14:hiddenLine xmlns:a14="http://schemas.microsoft.com/office/drawing/2010/main" xmlns="" w="9525">
+                <a14:hiddenLine xmlns="" xmlns:a14="http://schemas.microsoft.com/office/drawing/2010/main" w="9525">
                   <a:solidFill>
                     <a:srgbClr val="000000"/>
                   </a:solidFill>
@@ -403,7 +409,7 @@
             </a:ln>
             <a:extLst>
               <a:ext uri="{91240B29-F687-4f45-9708-019B960494DF}">
-                <a14:hiddenLine xmlns:a14="http://schemas.microsoft.com/office/drawing/2010/main" xmlns="" w="9525">
+                <a14:hiddenLine xmlns="" xmlns:a14="http://schemas.microsoft.com/office/drawing/2010/main" w="9525">
                   <a:solidFill>
                     <a:srgbClr val="000000"/>
                   </a:solidFill>
@@ -437,7 +443,7 @@
             </a:ln>
             <a:extLst>
               <a:ext uri="{91240B29-F687-4f45-9708-019B960494DF}">
-                <a14:hiddenLine xmlns:a14="http://schemas.microsoft.com/office/drawing/2010/main" xmlns="" w="9525">
+                <a14:hiddenLine xmlns="" xmlns:a14="http://schemas.microsoft.com/office/drawing/2010/main" w="9525">
                   <a:solidFill>
                     <a:srgbClr val="000000"/>
                   </a:solidFill>
@@ -527,7 +533,7 @@
             </a:ln>
             <a:extLst>
               <a:ext uri="{91240B29-F687-4f45-9708-019B960494DF}">
-                <a14:hiddenLine xmlns:a14="http://schemas.microsoft.com/office/drawing/2010/main" xmlns="" w="9525">
+                <a14:hiddenLine xmlns="" xmlns:a14="http://schemas.microsoft.com/office/drawing/2010/main" w="9525">
                   <a:solidFill>
                     <a:srgbClr val="000000"/>
                   </a:solidFill>
@@ -589,7 +595,7 @@
             </a:ln>
             <a:extLst>
               <a:ext uri="{91240B29-F687-4f45-9708-019B960494DF}">
-                <a14:hiddenLine xmlns:a14="http://schemas.microsoft.com/office/drawing/2010/main" xmlns="" w="9525">
+                <a14:hiddenLine xmlns="" xmlns:a14="http://schemas.microsoft.com/office/drawing/2010/main" w="9525">
                   <a:solidFill>
                     <a:srgbClr val="000000"/>
                   </a:solidFill>
@@ -651,7 +657,7 @@
             </a:ln>
             <a:extLst>
               <a:ext uri="{91240B29-F687-4f45-9708-019B960494DF}">
-                <a14:hiddenLine xmlns:a14="http://schemas.microsoft.com/office/drawing/2010/main" xmlns="" w="9525">
+                <a14:hiddenLine xmlns="" xmlns:a14="http://schemas.microsoft.com/office/drawing/2010/main" w="9525">
                   <a:solidFill>
                     <a:srgbClr val="000000"/>
                   </a:solidFill>
@@ -741,7 +747,7 @@
             </a:ln>
             <a:extLst>
               <a:ext uri="{91240B29-F687-4f45-9708-019B960494DF}">
-                <a14:hiddenLine xmlns:a14="http://schemas.microsoft.com/office/drawing/2010/main" xmlns="" w="9525">
+                <a14:hiddenLine xmlns="" xmlns:a14="http://schemas.microsoft.com/office/drawing/2010/main" w="9525">
                   <a:solidFill>
                     <a:srgbClr val="000000"/>
                   </a:solidFill>
@@ -803,7 +809,7 @@
             </a:ln>
             <a:extLst>
               <a:ext uri="{91240B29-F687-4f45-9708-019B960494DF}">
-                <a14:hiddenLine xmlns:a14="http://schemas.microsoft.com/office/drawing/2010/main" xmlns="" w="9525">
+                <a14:hiddenLine xmlns="" xmlns:a14="http://schemas.microsoft.com/office/drawing/2010/main" w="9525">
                   <a:solidFill>
                     <a:srgbClr val="000000"/>
                   </a:solidFill>
@@ -865,7 +871,7 @@
             </a:ln>
             <a:extLst>
               <a:ext uri="{91240B29-F687-4f45-9708-019B960494DF}">
-                <a14:hiddenLine xmlns:a14="http://schemas.microsoft.com/office/drawing/2010/main" xmlns="" w="9525">
+                <a14:hiddenLine xmlns="" xmlns:a14="http://schemas.microsoft.com/office/drawing/2010/main" w="9525">
                   <a:solidFill>
                     <a:srgbClr val="000000"/>
                   </a:solidFill>
@@ -955,7 +961,7 @@
             </a:ln>
             <a:extLst>
               <a:ext uri="{91240B29-F687-4f45-9708-019B960494DF}">
-                <a14:hiddenLine xmlns:a14="http://schemas.microsoft.com/office/drawing/2010/main" xmlns="" w="9525">
+                <a14:hiddenLine xmlns="" xmlns:a14="http://schemas.microsoft.com/office/drawing/2010/main" w="9525">
                   <a:solidFill>
                     <a:srgbClr val="000000"/>
                   </a:solidFill>
@@ -1045,7 +1051,7 @@
             </a:ln>
             <a:extLst>
               <a:ext uri="{91240B29-F687-4f45-9708-019B960494DF}">
-                <a14:hiddenLine xmlns:a14="http://schemas.microsoft.com/office/drawing/2010/main" xmlns="" w="9525">
+                <a14:hiddenLine xmlns="" xmlns:a14="http://schemas.microsoft.com/office/drawing/2010/main" w="9525">
                   <a:solidFill>
                     <a:srgbClr val="000000"/>
                   </a:solidFill>
@@ -1107,7 +1113,7 @@
             </a:ln>
             <a:extLst>
               <a:ext uri="{91240B29-F687-4f45-9708-019B960494DF}">
-                <a14:hiddenLine xmlns:a14="http://schemas.microsoft.com/office/drawing/2010/main" xmlns="" w="9525">
+                <a14:hiddenLine xmlns="" xmlns:a14="http://schemas.microsoft.com/office/drawing/2010/main" w="9525">
                   <a:solidFill>
                     <a:srgbClr val="000000"/>
                   </a:solidFill>
@@ -1217,7 +1223,7 @@
             </a:ln>
             <a:extLst>
               <a:ext uri="{91240B29-F687-4f45-9708-019B960494DF}">
-                <a14:hiddenLine xmlns:a14="http://schemas.microsoft.com/office/drawing/2010/main" xmlns="" w="9525">
+                <a14:hiddenLine xmlns="" xmlns:a14="http://schemas.microsoft.com/office/drawing/2010/main" w="9525">
                   <a:solidFill>
                     <a:srgbClr val="000000"/>
                   </a:solidFill>
@@ -1279,7 +1285,7 @@
             </a:ln>
             <a:extLst>
               <a:ext uri="{91240B29-F687-4f45-9708-019B960494DF}">
-                <a14:hiddenLine xmlns:a14="http://schemas.microsoft.com/office/drawing/2010/main" xmlns="" w="9525">
+                <a14:hiddenLine xmlns="" xmlns:a14="http://schemas.microsoft.com/office/drawing/2010/main" w="9525">
                   <a:solidFill>
                     <a:srgbClr val="000000"/>
                   </a:solidFill>
@@ -1369,7 +1375,7 @@
             </a:ln>
             <a:extLst>
               <a:ext uri="{91240B29-F687-4f45-9708-019B960494DF}">
-                <a14:hiddenLine xmlns:a14="http://schemas.microsoft.com/office/drawing/2010/main" xmlns="" w="9525">
+                <a14:hiddenLine xmlns="" xmlns:a14="http://schemas.microsoft.com/office/drawing/2010/main" w="9525">
                   <a:solidFill>
                     <a:srgbClr val="000000"/>
                   </a:solidFill>
@@ -1459,7 +1465,7 @@
             </a:ln>
             <a:extLst>
               <a:ext uri="{91240B29-F687-4f45-9708-019B960494DF}">
-                <a14:hiddenLine xmlns:a14="http://schemas.microsoft.com/office/drawing/2010/main" xmlns="" w="9525">
+                <a14:hiddenLine xmlns="" xmlns:a14="http://schemas.microsoft.com/office/drawing/2010/main" w="9525">
                   <a:solidFill>
                     <a:srgbClr val="000000"/>
                   </a:solidFill>
@@ -1521,7 +1527,7 @@
             </a:ln>
             <a:extLst>
               <a:ext uri="{91240B29-F687-4f45-9708-019B960494DF}">
-                <a14:hiddenLine xmlns:a14="http://schemas.microsoft.com/office/drawing/2010/main" xmlns="" w="9525">
+                <a14:hiddenLine xmlns="" xmlns:a14="http://schemas.microsoft.com/office/drawing/2010/main" w="9525">
                   <a:solidFill>
                     <a:srgbClr val="000000"/>
                   </a:solidFill>
@@ -1611,7 +1617,7 @@
             </a:ln>
             <a:extLst>
               <a:ext uri="{91240B29-F687-4f45-9708-019B960494DF}">
-                <a14:hiddenLine xmlns:a14="http://schemas.microsoft.com/office/drawing/2010/main" xmlns="" w="9525">
+                <a14:hiddenLine xmlns="" xmlns:a14="http://schemas.microsoft.com/office/drawing/2010/main" w="9525">
                   <a:solidFill>
                     <a:srgbClr val="000000"/>
                   </a:solidFill>
@@ -1701,7 +1707,7 @@
             </a:ln>
             <a:extLst>
               <a:ext uri="{91240B29-F687-4f45-9708-019B960494DF}">
-                <a14:hiddenLine xmlns:a14="http://schemas.microsoft.com/office/drawing/2010/main" xmlns="" w="9525">
+                <a14:hiddenLine xmlns="" xmlns:a14="http://schemas.microsoft.com/office/drawing/2010/main" w="9525">
                   <a:solidFill>
                     <a:srgbClr val="000000"/>
                   </a:solidFill>
@@ -1757,7 +1763,7 @@
             </a:ln>
             <a:extLst>
               <a:ext uri="{91240B29-F687-4f45-9708-019B960494DF}">
-                <a14:hiddenLine xmlns:a14="http://schemas.microsoft.com/office/drawing/2010/main" xmlns="" w="9525">
+                <a14:hiddenLine xmlns="" xmlns:a14="http://schemas.microsoft.com/office/drawing/2010/main" w="9525">
                   <a:solidFill>
                     <a:srgbClr val="000000"/>
                   </a:solidFill>
@@ -1847,7 +1853,7 @@
             </a:ln>
             <a:extLst>
               <a:ext uri="{91240B29-F687-4f45-9708-019B960494DF}">
-                <a14:hiddenLine xmlns:a14="http://schemas.microsoft.com/office/drawing/2010/main" xmlns="" w="9525">
+                <a14:hiddenLine xmlns="" xmlns:a14="http://schemas.microsoft.com/office/drawing/2010/main" w="9525">
                   <a:solidFill>
                     <a:srgbClr val="000000"/>
                   </a:solidFill>
@@ -1903,7 +1909,7 @@
             </a:ln>
             <a:extLst>
               <a:ext uri="{91240B29-F687-4f45-9708-019B960494DF}">
-                <a14:hiddenLine xmlns:a14="http://schemas.microsoft.com/office/drawing/2010/main" xmlns="" w="9525">
+                <a14:hiddenLine xmlns="" xmlns:a14="http://schemas.microsoft.com/office/drawing/2010/main" w="9525">
                   <a:solidFill>
                     <a:srgbClr val="000000"/>
                   </a:solidFill>
@@ -1993,7 +1999,7 @@
             </a:ln>
             <a:extLst>
               <a:ext uri="{91240B29-F687-4f45-9708-019B960494DF}">
-                <a14:hiddenLine xmlns:a14="http://schemas.microsoft.com/office/drawing/2010/main" xmlns="" w="9525">
+                <a14:hiddenLine xmlns="" xmlns:a14="http://schemas.microsoft.com/office/drawing/2010/main" w="9525">
                   <a:solidFill>
                     <a:srgbClr val="000000"/>
                   </a:solidFill>
@@ -2061,7 +2067,7 @@
             </a:ln>
             <a:extLst>
               <a:ext uri="{91240B29-F687-4f45-9708-019B960494DF}">
-                <a14:hiddenLine xmlns:a14="http://schemas.microsoft.com/office/drawing/2010/main" xmlns="" w="9525">
+                <a14:hiddenLine xmlns="" xmlns:a14="http://schemas.microsoft.com/office/drawing/2010/main" w="9525">
                   <a:solidFill>
                     <a:srgbClr val="000000"/>
                   </a:solidFill>
@@ -2151,7 +2157,7 @@
             </a:ln>
             <a:extLst>
               <a:ext uri="{91240B29-F687-4f45-9708-019B960494DF}">
-                <a14:hiddenLine xmlns:a14="http://schemas.microsoft.com/office/drawing/2010/main" xmlns="" w="9525">
+                <a14:hiddenLine xmlns="" xmlns:a14="http://schemas.microsoft.com/office/drawing/2010/main" w="9525">
                   <a:solidFill>
                     <a:srgbClr val="000000"/>
                   </a:solidFill>
@@ -2219,7 +2225,7 @@
             </a:ln>
             <a:extLst>
               <a:ext uri="{91240B29-F687-4f45-9708-019B960494DF}">
-                <a14:hiddenLine xmlns:a14="http://schemas.microsoft.com/office/drawing/2010/main" xmlns="" w="9525">
+                <a14:hiddenLine xmlns="" xmlns:a14="http://schemas.microsoft.com/office/drawing/2010/main" w="9525">
                   <a:solidFill>
                     <a:srgbClr val="000000"/>
                   </a:solidFill>
@@ -2309,7 +2315,7 @@
             </a:ln>
             <a:extLst>
               <a:ext uri="{91240B29-F687-4f45-9708-019B960494DF}">
-                <a14:hiddenLine xmlns:a14="http://schemas.microsoft.com/office/drawing/2010/main" xmlns="" w="9525">
+                <a14:hiddenLine xmlns="" xmlns:a14="http://schemas.microsoft.com/office/drawing/2010/main" w="9525">
                   <a:solidFill>
                     <a:srgbClr val="000000"/>
                   </a:solidFill>
@@ -2343,7 +2349,7 @@
             </a:ln>
             <a:extLst>
               <a:ext uri="{91240B29-F687-4f45-9708-019B960494DF}">
-                <a14:hiddenLine xmlns:a14="http://schemas.microsoft.com/office/drawing/2010/main" xmlns="" w="9525">
+                <a14:hiddenLine xmlns="" xmlns:a14="http://schemas.microsoft.com/office/drawing/2010/main" w="9525">
                   <a:solidFill>
                     <a:srgbClr val="000000"/>
                   </a:solidFill>
@@ -2433,7 +2439,7 @@
             </a:ln>
             <a:extLst>
               <a:ext uri="{91240B29-F687-4f45-9708-019B960494DF}">
-                <a14:hiddenLine xmlns:a14="http://schemas.microsoft.com/office/drawing/2010/main" xmlns="" w="9525">
+                <a14:hiddenLine xmlns="" xmlns:a14="http://schemas.microsoft.com/office/drawing/2010/main" w="9525">
                   <a:solidFill>
                     <a:srgbClr val="000000"/>
                   </a:solidFill>
@@ -2495,7 +2501,7 @@
             </a:ln>
             <a:extLst>
               <a:ext uri="{91240B29-F687-4f45-9708-019B960494DF}">
-                <a14:hiddenLine xmlns:a14="http://schemas.microsoft.com/office/drawing/2010/main" xmlns="" w="9525">
+                <a14:hiddenLine xmlns="" xmlns:a14="http://schemas.microsoft.com/office/drawing/2010/main" w="9525">
                   <a:solidFill>
                     <a:srgbClr val="000000"/>
                   </a:solidFill>
@@ -2557,7 +2563,7 @@
             </a:ln>
             <a:extLst>
               <a:ext uri="{91240B29-F687-4f45-9708-019B960494DF}">
-                <a14:hiddenLine xmlns:a14="http://schemas.microsoft.com/office/drawing/2010/main" xmlns="" w="9525">
+                <a14:hiddenLine xmlns="" xmlns:a14="http://schemas.microsoft.com/office/drawing/2010/main" w="9525">
                   <a:solidFill>
                     <a:srgbClr val="000000"/>
                   </a:solidFill>
@@ -2647,7 +2653,7 @@
             </a:ln>
             <a:extLst>
               <a:ext uri="{91240B29-F687-4f45-9708-019B960494DF}">
-                <a14:hiddenLine xmlns:a14="http://schemas.microsoft.com/office/drawing/2010/main" xmlns="" w="9525">
+                <a14:hiddenLine xmlns="" xmlns:a14="http://schemas.microsoft.com/office/drawing/2010/main" w="9525">
                   <a:solidFill>
                     <a:srgbClr val="000000"/>
                   </a:solidFill>
@@ -2715,7 +2721,7 @@
             </a:ln>
             <a:extLst>
               <a:ext uri="{91240B29-F687-4f45-9708-019B960494DF}">
-                <a14:hiddenLine xmlns:a14="http://schemas.microsoft.com/office/drawing/2010/main" xmlns="" w="9525">
+                <a14:hiddenLine xmlns="" xmlns:a14="http://schemas.microsoft.com/office/drawing/2010/main" w="9525">
                   <a:solidFill>
                     <a:srgbClr val="000000"/>
                   </a:solidFill>
@@ -2777,7 +2783,7 @@
             </a:ln>
             <a:extLst>
               <a:ext uri="{91240B29-F687-4f45-9708-019B960494DF}">
-                <a14:hiddenLine xmlns:a14="http://schemas.microsoft.com/office/drawing/2010/main" xmlns="" w="9525">
+                <a14:hiddenLine xmlns="" xmlns:a14="http://schemas.microsoft.com/office/drawing/2010/main" w="9525">
                   <a:solidFill>
                     <a:srgbClr val="000000"/>
                   </a:solidFill>
@@ -2867,7 +2873,7 @@
             </a:ln>
             <a:extLst>
               <a:ext uri="{91240B29-F687-4f45-9708-019B960494DF}">
-                <a14:hiddenLine xmlns:a14="http://schemas.microsoft.com/office/drawing/2010/main" xmlns="" w="9525">
+                <a14:hiddenLine xmlns="" xmlns:a14="http://schemas.microsoft.com/office/drawing/2010/main" w="9525">
                   <a:solidFill>
                     <a:srgbClr val="000000"/>
                   </a:solidFill>
@@ -2929,7 +2935,7 @@
             </a:ln>
             <a:extLst>
               <a:ext uri="{91240B29-F687-4f45-9708-019B960494DF}">
-                <a14:hiddenLine xmlns:a14="http://schemas.microsoft.com/office/drawing/2010/main" xmlns="" w="9525">
+                <a14:hiddenLine xmlns="" xmlns:a14="http://schemas.microsoft.com/office/drawing/2010/main" w="9525">
                   <a:solidFill>
                     <a:srgbClr val="000000"/>
                   </a:solidFill>
@@ -3019,7 +3025,7 @@
             </a:ln>
             <a:extLst>
               <a:ext uri="{91240B29-F687-4f45-9708-019B960494DF}">
-                <a14:hiddenLine xmlns:a14="http://schemas.microsoft.com/office/drawing/2010/main" xmlns="" w="9525">
+                <a14:hiddenLine xmlns="" xmlns:a14="http://schemas.microsoft.com/office/drawing/2010/main" w="9525">
                   <a:solidFill>
                     <a:srgbClr val="000000"/>
                   </a:solidFill>
@@ -3081,7 +3087,7 @@
             </a:ln>
             <a:extLst>
               <a:ext uri="{91240B29-F687-4f45-9708-019B960494DF}">
-                <a14:hiddenLine xmlns:a14="http://schemas.microsoft.com/office/drawing/2010/main" xmlns="" w="9525">
+                <a14:hiddenLine xmlns="" xmlns:a14="http://schemas.microsoft.com/office/drawing/2010/main" w="9525">
                   <a:solidFill>
                     <a:srgbClr val="000000"/>
                   </a:solidFill>
@@ -3171,7 +3177,7 @@
             </a:ln>
             <a:extLst>
               <a:ext uri="{91240B29-F687-4f45-9708-019B960494DF}">
-                <a14:hiddenLine xmlns:a14="http://schemas.microsoft.com/office/drawing/2010/main" xmlns="" w="9525">
+                <a14:hiddenLine xmlns="" xmlns:a14="http://schemas.microsoft.com/office/drawing/2010/main" w="9525">
                   <a:solidFill>
                     <a:srgbClr val="000000"/>
                   </a:solidFill>
@@ -3205,7 +3211,7 @@
             </a:ln>
             <a:extLst>
               <a:ext uri="{91240B29-F687-4f45-9708-019B960494DF}">
-                <a14:hiddenLine xmlns:a14="http://schemas.microsoft.com/office/drawing/2010/main" xmlns="" w="9525">
+                <a14:hiddenLine xmlns="" xmlns:a14="http://schemas.microsoft.com/office/drawing/2010/main" w="9525">
                   <a:solidFill>
                     <a:srgbClr val="000000"/>
                   </a:solidFill>
@@ -3270,7 +3276,7 @@
             </a:ln>
             <a:extLst>
               <a:ext uri="{91240B29-F687-4f45-9708-019B960494DF}">
-                <a14:hiddenLine xmlns:a14="http://schemas.microsoft.com/office/drawing/2010/main" xmlns="" w="9525">
+                <a14:hiddenLine xmlns="" xmlns:a14="http://schemas.microsoft.com/office/drawing/2010/main" w="9525">
                   <a:solidFill>
                     <a:srgbClr val="000000"/>
                   </a:solidFill>
@@ -3360,7 +3366,7 @@
             </a:ln>
             <a:extLst>
               <a:ext uri="{91240B29-F687-4f45-9708-019B960494DF}">
-                <a14:hiddenLine xmlns:a14="http://schemas.microsoft.com/office/drawing/2010/main" xmlns="" w="9525">
+                <a14:hiddenLine xmlns="" xmlns:a14="http://schemas.microsoft.com/office/drawing/2010/main" w="9525">
                   <a:solidFill>
                     <a:srgbClr val="000000"/>
                   </a:solidFill>
@@ -3422,7 +3428,7 @@
             </a:ln>
             <a:extLst>
               <a:ext uri="{91240B29-F687-4f45-9708-019B960494DF}">
-                <a14:hiddenLine xmlns:a14="http://schemas.microsoft.com/office/drawing/2010/main" xmlns="" w="9525">
+                <a14:hiddenLine xmlns="" xmlns:a14="http://schemas.microsoft.com/office/drawing/2010/main" w="9525">
                   <a:solidFill>
                     <a:srgbClr val="000000"/>
                   </a:solidFill>
@@ -3512,7 +3518,7 @@
             </a:ln>
             <a:extLst>
               <a:ext uri="{91240B29-F687-4f45-9708-019B960494DF}">
-                <a14:hiddenLine xmlns:a14="http://schemas.microsoft.com/office/drawing/2010/main" xmlns="" w="9525">
+                <a14:hiddenLine xmlns="" xmlns:a14="http://schemas.microsoft.com/office/drawing/2010/main" w="9525">
                   <a:solidFill>
                     <a:srgbClr val="000000"/>
                   </a:solidFill>
@@ -3602,7 +3608,7 @@
             </a:ln>
             <a:extLst>
               <a:ext uri="{91240B29-F687-4f45-9708-019B960494DF}">
-                <a14:hiddenLine xmlns:a14="http://schemas.microsoft.com/office/drawing/2010/main" xmlns="" w="9525">
+                <a14:hiddenLine xmlns="" xmlns:a14="http://schemas.microsoft.com/office/drawing/2010/main" w="9525">
                   <a:solidFill>
                     <a:srgbClr val="000000"/>
                   </a:solidFill>
@@ -3667,7 +3673,7 @@
             </a:ln>
             <a:extLst>
               <a:ext uri="{91240B29-F687-4f45-9708-019B960494DF}">
-                <a14:hiddenLine xmlns:a14="http://schemas.microsoft.com/office/drawing/2010/main" xmlns="" w="9525">
+                <a14:hiddenLine xmlns="" xmlns:a14="http://schemas.microsoft.com/office/drawing/2010/main" w="9525">
                   <a:solidFill>
                     <a:srgbClr val="000000"/>
                   </a:solidFill>
@@ -3729,7 +3735,7 @@
             </a:ln>
             <a:extLst>
               <a:ext uri="{91240B29-F687-4f45-9708-019B960494DF}">
-                <a14:hiddenLine xmlns:a14="http://schemas.microsoft.com/office/drawing/2010/main" xmlns="" w="9525">
+                <a14:hiddenLine xmlns="" xmlns:a14="http://schemas.microsoft.com/office/drawing/2010/main" w="9525">
                   <a:solidFill>
                     <a:srgbClr val="000000"/>
                   </a:solidFill>
@@ -3819,7 +3825,7 @@
             </a:ln>
             <a:extLst>
               <a:ext uri="{91240B29-F687-4f45-9708-019B960494DF}">
-                <a14:hiddenLine xmlns:a14="http://schemas.microsoft.com/office/drawing/2010/main" xmlns="" w="9525">
+                <a14:hiddenLine xmlns="" xmlns:a14="http://schemas.microsoft.com/office/drawing/2010/main" w="9525">
                   <a:solidFill>
                     <a:srgbClr val="000000"/>
                   </a:solidFill>
@@ -3909,7 +3915,7 @@
             </a:ln>
             <a:extLst>
               <a:ext uri="{91240B29-F687-4f45-9708-019B960494DF}">
-                <a14:hiddenLine xmlns:a14="http://schemas.microsoft.com/office/drawing/2010/main" xmlns="" w="9525">
+                <a14:hiddenLine xmlns="" xmlns:a14="http://schemas.microsoft.com/office/drawing/2010/main" w="9525">
                   <a:solidFill>
                     <a:srgbClr val="000000"/>
                   </a:solidFill>
@@ -3971,7 +3977,7 @@
             </a:ln>
             <a:extLst>
               <a:ext uri="{91240B29-F687-4f45-9708-019B960494DF}">
-                <a14:hiddenLine xmlns:a14="http://schemas.microsoft.com/office/drawing/2010/main" xmlns="" w="9525">
+                <a14:hiddenLine xmlns="" xmlns:a14="http://schemas.microsoft.com/office/drawing/2010/main" w="9525">
                   <a:solidFill>
                     <a:srgbClr val="000000"/>
                   </a:solidFill>
@@ -4091,7 +4097,7 @@
             </a:ln>
             <a:extLst>
               <a:ext uri="{91240B29-F687-4f45-9708-019B960494DF}">
-                <a14:hiddenLine xmlns:a14="http://schemas.microsoft.com/office/drawing/2010/main" xmlns="" w="9525">
+                <a14:hiddenLine xmlns="" xmlns:a14="http://schemas.microsoft.com/office/drawing/2010/main" w="9525">
                   <a:solidFill>
                     <a:srgbClr val="000000"/>
                   </a:solidFill>
@@ -4159,7 +4165,7 @@
             </a:ln>
             <a:extLst>
               <a:ext uri="{91240B29-F687-4f45-9708-019B960494DF}">
-                <a14:hiddenLine xmlns:a14="http://schemas.microsoft.com/office/drawing/2010/main" xmlns="" w="9525">
+                <a14:hiddenLine xmlns="" xmlns:a14="http://schemas.microsoft.com/office/drawing/2010/main" w="9525">
                   <a:solidFill>
                     <a:srgbClr val="000000"/>
                   </a:solidFill>
@@ -4249,7 +4255,7 @@
             </a:ln>
             <a:extLst>
               <a:ext uri="{91240B29-F687-4f45-9708-019B960494DF}">
-                <a14:hiddenLine xmlns:a14="http://schemas.microsoft.com/office/drawing/2010/main" xmlns="" w="9525">
+                <a14:hiddenLine xmlns="" xmlns:a14="http://schemas.microsoft.com/office/drawing/2010/main" w="9525">
                   <a:solidFill>
                     <a:srgbClr val="000000"/>
                   </a:solidFill>
@@ -8971,7 +8977,7 @@
           <a:noFill/>
           <a:extLst>
             <a:ext uri="{909E8E84-426E-40dd-AFC4-6F175D3DCCD1}">
-              <a14:hiddenFill xmlns:a14="http://schemas.microsoft.com/office/drawing/2010/main" xmlns="">
+              <a14:hiddenFill xmlns="" xmlns:a14="http://schemas.microsoft.com/office/drawing/2010/main">
                 <a:solidFill>
                   <a:srgbClr val="FFFFFF"/>
                 </a:solidFill>
@@ -9045,7 +9051,7 @@
               </a:ln>
               <a:extLst>
                 <a:ext uri="{91240B29-F687-4f45-9708-019B960494DF}">
-                  <a14:hiddenLine xmlns:a14="http://schemas.microsoft.com/office/drawing/2010/main" xmlns="" w="9525">
+                  <a14:hiddenLine xmlns="" xmlns:a14="http://schemas.microsoft.com/office/drawing/2010/main" w="9525">
                     <a:solidFill>
                       <a:srgbClr val="000000"/>
                     </a:solidFill>
@@ -9135,7 +9141,7 @@
               </a:ln>
               <a:extLst>
                 <a:ext uri="{91240B29-F687-4f45-9708-019B960494DF}">
-                  <a14:hiddenLine xmlns:a14="http://schemas.microsoft.com/office/drawing/2010/main" xmlns="" w="9525">
+                  <a14:hiddenLine xmlns="" xmlns:a14="http://schemas.microsoft.com/office/drawing/2010/main" w="9525">
                     <a:solidFill>
                       <a:srgbClr val="000000"/>
                     </a:solidFill>
@@ -9225,7 +9231,7 @@
               </a:ln>
               <a:extLst>
                 <a:ext uri="{91240B29-F687-4f45-9708-019B960494DF}">
-                  <a14:hiddenLine xmlns:a14="http://schemas.microsoft.com/office/drawing/2010/main" xmlns="" w="9525">
+                  <a14:hiddenLine xmlns="" xmlns:a14="http://schemas.microsoft.com/office/drawing/2010/main" w="9525">
                     <a:solidFill>
                       <a:srgbClr val="000000"/>
                     </a:solidFill>
@@ -9287,7 +9293,7 @@
               </a:ln>
               <a:extLst>
                 <a:ext uri="{91240B29-F687-4f45-9708-019B960494DF}">
-                  <a14:hiddenLine xmlns:a14="http://schemas.microsoft.com/office/drawing/2010/main" xmlns="" w="9525">
+                  <a14:hiddenLine xmlns="" xmlns:a14="http://schemas.microsoft.com/office/drawing/2010/main" w="9525">
                     <a:solidFill>
                       <a:srgbClr val="000000"/>
                     </a:solidFill>
@@ -9377,7 +9383,7 @@
               </a:ln>
               <a:extLst>
                 <a:ext uri="{91240B29-F687-4f45-9708-019B960494DF}">
-                  <a14:hiddenLine xmlns:a14="http://schemas.microsoft.com/office/drawing/2010/main" xmlns="" w="9525">
+                  <a14:hiddenLine xmlns="" xmlns:a14="http://schemas.microsoft.com/office/drawing/2010/main" w="9525">
                     <a:solidFill>
                       <a:srgbClr val="000000"/>
                     </a:solidFill>
@@ -9439,7 +9445,7 @@
               </a:ln>
               <a:extLst>
                 <a:ext uri="{91240B29-F687-4f45-9708-019B960494DF}">
-                  <a14:hiddenLine xmlns:a14="http://schemas.microsoft.com/office/drawing/2010/main" xmlns="" w="9525">
+                  <a14:hiddenLine xmlns="" xmlns:a14="http://schemas.microsoft.com/office/drawing/2010/main" w="9525">
                     <a:solidFill>
                       <a:srgbClr val="000000"/>
                     </a:solidFill>
@@ -9501,7 +9507,7 @@
               </a:ln>
               <a:extLst>
                 <a:ext uri="{91240B29-F687-4f45-9708-019B960494DF}">
-                  <a14:hiddenLine xmlns:a14="http://schemas.microsoft.com/office/drawing/2010/main" xmlns="" w="9525">
+                  <a14:hiddenLine xmlns="" xmlns:a14="http://schemas.microsoft.com/office/drawing/2010/main" w="9525">
                     <a:solidFill>
                       <a:srgbClr val="000000"/>
                     </a:solidFill>
@@ -9591,7 +9597,7 @@
               </a:ln>
               <a:extLst>
                 <a:ext uri="{91240B29-F687-4f45-9708-019B960494DF}">
-                  <a14:hiddenLine xmlns:a14="http://schemas.microsoft.com/office/drawing/2010/main" xmlns="" w="9525">
+                  <a14:hiddenLine xmlns="" xmlns:a14="http://schemas.microsoft.com/office/drawing/2010/main" w="9525">
                     <a:solidFill>
                       <a:srgbClr val="000000"/>
                     </a:solidFill>
@@ -9681,7 +9687,7 @@
               </a:ln>
               <a:extLst>
                 <a:ext uri="{91240B29-F687-4f45-9708-019B960494DF}">
-                  <a14:hiddenLine xmlns:a14="http://schemas.microsoft.com/office/drawing/2010/main" xmlns="" w="9525">
+                  <a14:hiddenLine xmlns="" xmlns:a14="http://schemas.microsoft.com/office/drawing/2010/main" w="9525">
                     <a:solidFill>
                       <a:srgbClr val="000000"/>
                     </a:solidFill>
@@ -9743,7 +9749,7 @@
               </a:ln>
               <a:extLst>
                 <a:ext uri="{91240B29-F687-4f45-9708-019B960494DF}">
-                  <a14:hiddenLine xmlns:a14="http://schemas.microsoft.com/office/drawing/2010/main" xmlns="" w="9525">
+                  <a14:hiddenLine xmlns="" xmlns:a14="http://schemas.microsoft.com/office/drawing/2010/main" w="9525">
                     <a:solidFill>
                       <a:srgbClr val="000000"/>
                     </a:solidFill>
@@ -9853,7 +9859,7 @@
               </a:ln>
               <a:extLst>
                 <a:ext uri="{91240B29-F687-4f45-9708-019B960494DF}">
-                  <a14:hiddenLine xmlns:a14="http://schemas.microsoft.com/office/drawing/2010/main" xmlns="" w="9525">
+                  <a14:hiddenLine xmlns="" xmlns:a14="http://schemas.microsoft.com/office/drawing/2010/main" w="9525">
                     <a:solidFill>
                       <a:srgbClr val="000000"/>
                     </a:solidFill>
@@ -9937,7 +9943,7 @@
               </a:ln>
               <a:extLst>
                 <a:ext uri="{91240B29-F687-4f45-9708-019B960494DF}">
-                  <a14:hiddenLine xmlns:a14="http://schemas.microsoft.com/office/drawing/2010/main" xmlns="" w="9525">
+                  <a14:hiddenLine xmlns="" xmlns:a14="http://schemas.microsoft.com/office/drawing/2010/main" w="9525">
                     <a:solidFill>
                       <a:srgbClr val="000000"/>
                     </a:solidFill>
@@ -9999,7 +10005,7 @@
               </a:ln>
               <a:extLst>
                 <a:ext uri="{91240B29-F687-4f45-9708-019B960494DF}">
-                  <a14:hiddenLine xmlns:a14="http://schemas.microsoft.com/office/drawing/2010/main" xmlns="" w="9525">
+                  <a14:hiddenLine xmlns="" xmlns:a14="http://schemas.microsoft.com/office/drawing/2010/main" w="9525">
                     <a:solidFill>
                       <a:srgbClr val="000000"/>
                     </a:solidFill>
@@ -10061,7 +10067,7 @@
               </a:ln>
               <a:extLst>
                 <a:ext uri="{91240B29-F687-4f45-9708-019B960494DF}">
-                  <a14:hiddenLine xmlns:a14="http://schemas.microsoft.com/office/drawing/2010/main" xmlns="" w="9525">
+                  <a14:hiddenLine xmlns="" xmlns:a14="http://schemas.microsoft.com/office/drawing/2010/main" w="9525">
                     <a:solidFill>
                       <a:srgbClr val="000000"/>
                     </a:solidFill>
@@ -10151,7 +10157,7 @@
               </a:ln>
               <a:extLst>
                 <a:ext uri="{91240B29-F687-4f45-9708-019B960494DF}">
-                  <a14:hiddenLine xmlns:a14="http://schemas.microsoft.com/office/drawing/2010/main" xmlns="" w="9525">
+                  <a14:hiddenLine xmlns="" xmlns:a14="http://schemas.microsoft.com/office/drawing/2010/main" w="9525">
                     <a:solidFill>
                       <a:srgbClr val="000000"/>
                     </a:solidFill>
@@ -10185,7 +10191,7 @@
               </a:ln>
               <a:extLst>
                 <a:ext uri="{91240B29-F687-4f45-9708-019B960494DF}">
-                  <a14:hiddenLine xmlns:a14="http://schemas.microsoft.com/office/drawing/2010/main" xmlns="" w="9525">
+                  <a14:hiddenLine xmlns="" xmlns:a14="http://schemas.microsoft.com/office/drawing/2010/main" w="9525">
                     <a:solidFill>
                       <a:srgbClr val="000000"/>
                     </a:solidFill>
@@ -10250,7 +10256,7 @@
               </a:ln>
               <a:extLst>
                 <a:ext uri="{91240B29-F687-4f45-9708-019B960494DF}">
-                  <a14:hiddenLine xmlns:a14="http://schemas.microsoft.com/office/drawing/2010/main" xmlns="" w="9525">
+                  <a14:hiddenLine xmlns="" xmlns:a14="http://schemas.microsoft.com/office/drawing/2010/main" w="9525">
                     <a:solidFill>
                       <a:srgbClr val="000000"/>
                     </a:solidFill>
@@ -10340,7 +10346,7 @@
               </a:ln>
               <a:extLst>
                 <a:ext uri="{91240B29-F687-4f45-9708-019B960494DF}">
-                  <a14:hiddenLine xmlns:a14="http://schemas.microsoft.com/office/drawing/2010/main" xmlns="" w="9525">
+                  <a14:hiddenLine xmlns="" xmlns:a14="http://schemas.microsoft.com/office/drawing/2010/main" w="9525">
                     <a:solidFill>
                       <a:srgbClr val="000000"/>
                     </a:solidFill>
@@ -10402,7 +10408,7 @@
               </a:ln>
               <a:extLst>
                 <a:ext uri="{91240B29-F687-4f45-9708-019B960494DF}">
-                  <a14:hiddenLine xmlns:a14="http://schemas.microsoft.com/office/drawing/2010/main" xmlns="" w="9525">
+                  <a14:hiddenLine xmlns="" xmlns:a14="http://schemas.microsoft.com/office/drawing/2010/main" w="9525">
                     <a:solidFill>
                       <a:srgbClr val="000000"/>
                     </a:solidFill>
@@ -10492,7 +10498,7 @@
               </a:ln>
               <a:extLst>
                 <a:ext uri="{91240B29-F687-4f45-9708-019B960494DF}">
-                  <a14:hiddenLine xmlns:a14="http://schemas.microsoft.com/office/drawing/2010/main" xmlns="" w="9525">
+                  <a14:hiddenLine xmlns="" xmlns:a14="http://schemas.microsoft.com/office/drawing/2010/main" w="9525">
                     <a:solidFill>
                       <a:srgbClr val="000000"/>
                     </a:solidFill>
@@ -10557,7 +10563,7 @@
               </a:ln>
               <a:extLst>
                 <a:ext uri="{91240B29-F687-4f45-9708-019B960494DF}">
-                  <a14:hiddenLine xmlns:a14="http://schemas.microsoft.com/office/drawing/2010/main" xmlns="" w="9525">
+                  <a14:hiddenLine xmlns="" xmlns:a14="http://schemas.microsoft.com/office/drawing/2010/main" w="9525">
                     <a:solidFill>
                       <a:srgbClr val="000000"/>
                     </a:solidFill>
@@ -10619,7 +10625,7 @@
               </a:ln>
               <a:extLst>
                 <a:ext uri="{91240B29-F687-4f45-9708-019B960494DF}">
-                  <a14:hiddenLine xmlns:a14="http://schemas.microsoft.com/office/drawing/2010/main" xmlns="" w="9525">
+                  <a14:hiddenLine xmlns="" xmlns:a14="http://schemas.microsoft.com/office/drawing/2010/main" w="9525">
                     <a:solidFill>
                       <a:srgbClr val="000000"/>
                     </a:solidFill>
@@ -10709,7 +10715,7 @@
               </a:ln>
               <a:extLst>
                 <a:ext uri="{91240B29-F687-4f45-9708-019B960494DF}">
-                  <a14:hiddenLine xmlns:a14="http://schemas.microsoft.com/office/drawing/2010/main" xmlns="" w="9525">
+                  <a14:hiddenLine xmlns="" xmlns:a14="http://schemas.microsoft.com/office/drawing/2010/main" w="9525">
                     <a:solidFill>
                       <a:srgbClr val="000000"/>
                     </a:solidFill>
@@ -10799,7 +10805,7 @@
               </a:ln>
               <a:extLst>
                 <a:ext uri="{91240B29-F687-4f45-9708-019B960494DF}">
-                  <a14:hiddenLine xmlns:a14="http://schemas.microsoft.com/office/drawing/2010/main" xmlns="" w="9525">
+                  <a14:hiddenLine xmlns="" xmlns:a14="http://schemas.microsoft.com/office/drawing/2010/main" w="9525">
                     <a:solidFill>
                       <a:srgbClr val="000000"/>
                     </a:solidFill>
@@ -10864,7 +10870,7 @@
               </a:ln>
               <a:extLst>
                 <a:ext uri="{91240B29-F687-4f45-9708-019B960494DF}">
-                  <a14:hiddenLine xmlns:a14="http://schemas.microsoft.com/office/drawing/2010/main" xmlns="" w="9525">
+                  <a14:hiddenLine xmlns="" xmlns:a14="http://schemas.microsoft.com/office/drawing/2010/main" w="9525">
                     <a:solidFill>
                       <a:srgbClr val="000000"/>
                     </a:solidFill>
@@ -10984,7 +10990,7 @@
               </a:ln>
               <a:extLst>
                 <a:ext uri="{91240B29-F687-4f45-9708-019B960494DF}">
-                  <a14:hiddenLine xmlns:a14="http://schemas.microsoft.com/office/drawing/2010/main" xmlns="" w="9525">
+                  <a14:hiddenLine xmlns="" xmlns:a14="http://schemas.microsoft.com/office/drawing/2010/main" w="9525">
                     <a:solidFill>
                       <a:srgbClr val="000000"/>
                     </a:solidFill>
@@ -11082,7 +11088,7 @@
               </a:ln>
               <a:extLst>
                 <a:ext uri="{91240B29-F687-4f45-9708-019B960494DF}">
-                  <a14:hiddenLine xmlns:a14="http://schemas.microsoft.com/office/drawing/2010/main" xmlns="" w="9525">
+                  <a14:hiddenLine xmlns="" xmlns:a14="http://schemas.microsoft.com/office/drawing/2010/main" w="9525">
                     <a:solidFill>
                       <a:srgbClr val="000000"/>
                     </a:solidFill>
@@ -11197,7 +11203,7 @@
               </a:ln>
               <a:extLst>
                 <a:ext uri="{91240B29-F687-4f45-9708-019B960494DF}">
-                  <a14:hiddenLine xmlns:a14="http://schemas.microsoft.com/office/drawing/2010/main" xmlns="" w="9525">
+                  <a14:hiddenLine xmlns="" xmlns:a14="http://schemas.microsoft.com/office/drawing/2010/main" w="9525">
                     <a:solidFill>
                       <a:srgbClr val="000000"/>
                     </a:solidFill>
@@ -11287,7 +11293,7 @@
               </a:ln>
               <a:extLst>
                 <a:ext uri="{91240B29-F687-4f45-9708-019B960494DF}">
-                  <a14:hiddenLine xmlns:a14="http://schemas.microsoft.com/office/drawing/2010/main" xmlns="" w="9525">
+                  <a14:hiddenLine xmlns="" xmlns:a14="http://schemas.microsoft.com/office/drawing/2010/main" w="9525">
                     <a:solidFill>
                       <a:srgbClr val="000000"/>
                     </a:solidFill>
@@ -11352,7 +11358,7 @@
               </a:ln>
               <a:extLst>
                 <a:ext uri="{91240B29-F687-4f45-9708-019B960494DF}">
-                  <a14:hiddenLine xmlns:a14="http://schemas.microsoft.com/office/drawing/2010/main" xmlns="" w="9525">
+                  <a14:hiddenLine xmlns="" xmlns:a14="http://schemas.microsoft.com/office/drawing/2010/main" w="9525">
                     <a:solidFill>
                       <a:srgbClr val="000000"/>
                     </a:solidFill>
@@ -11442,7 +11448,7 @@
               </a:ln>
               <a:extLst>
                 <a:ext uri="{91240B29-F687-4f45-9708-019B960494DF}">
-                  <a14:hiddenLine xmlns:a14="http://schemas.microsoft.com/office/drawing/2010/main" xmlns="" w="9525">
+                  <a14:hiddenLine xmlns="" xmlns:a14="http://schemas.microsoft.com/office/drawing/2010/main" w="9525">
                     <a:solidFill>
                       <a:srgbClr val="000000"/>
                     </a:solidFill>
@@ -11510,7 +11516,7 @@
               </a:ln>
               <a:extLst>
                 <a:ext uri="{91240B29-F687-4f45-9708-019B960494DF}">
-                  <a14:hiddenLine xmlns:a14="http://schemas.microsoft.com/office/drawing/2010/main" xmlns="" w="9525">
+                  <a14:hiddenLine xmlns="" xmlns:a14="http://schemas.microsoft.com/office/drawing/2010/main" w="9525">
                     <a:solidFill>
                       <a:srgbClr val="000000"/>
                     </a:solidFill>
@@ -11600,7 +11606,7 @@
               </a:ln>
               <a:extLst>
                 <a:ext uri="{91240B29-F687-4f45-9708-019B960494DF}">
-                  <a14:hiddenLine xmlns:a14="http://schemas.microsoft.com/office/drawing/2010/main" xmlns="" w="9525">
+                  <a14:hiddenLine xmlns="" xmlns:a14="http://schemas.microsoft.com/office/drawing/2010/main" w="9525">
                     <a:solidFill>
                       <a:srgbClr val="000000"/>
                     </a:solidFill>
@@ -11668,7 +11674,7 @@
               </a:ln>
               <a:extLst>
                 <a:ext uri="{91240B29-F687-4f45-9708-019B960494DF}">
-                  <a14:hiddenLine xmlns:a14="http://schemas.microsoft.com/office/drawing/2010/main" xmlns="" w="9525">
+                  <a14:hiddenLine xmlns="" xmlns:a14="http://schemas.microsoft.com/office/drawing/2010/main" w="9525">
                     <a:solidFill>
                       <a:srgbClr val="000000"/>
                     </a:solidFill>
@@ -11758,7 +11764,7 @@
               </a:ln>
               <a:extLst>
                 <a:ext uri="{91240B29-F687-4f45-9708-019B960494DF}">
-                  <a14:hiddenLine xmlns:a14="http://schemas.microsoft.com/office/drawing/2010/main" xmlns="" w="9525">
+                  <a14:hiddenLine xmlns="" xmlns:a14="http://schemas.microsoft.com/office/drawing/2010/main" w="9525">
                     <a:solidFill>
                       <a:srgbClr val="000000"/>
                     </a:solidFill>
@@ -11792,7 +11798,7 @@
               </a:ln>
               <a:extLst>
                 <a:ext uri="{91240B29-F687-4f45-9708-019B960494DF}">
-                  <a14:hiddenLine xmlns:a14="http://schemas.microsoft.com/office/drawing/2010/main" xmlns="" w="9525">
+                  <a14:hiddenLine xmlns="" xmlns:a14="http://schemas.microsoft.com/office/drawing/2010/main" w="9525">
                     <a:solidFill>
                       <a:srgbClr val="000000"/>
                     </a:solidFill>
@@ -12470,7 +12476,7 @@
             </a:r>
             <a:r>
               <a:rPr lang="en-US" dirty="0"/>
-              <a:t> execution time using 1000000 iterations</a:t>
+              <a:t> execution time where m= 1000000</a:t>
             </a:r>
             <a:br>
               <a:rPr lang="en-US" dirty="0"/>
@@ -13484,7 +13490,7 @@
             </a:r>
             <a:r>
               <a:rPr lang="en-US" dirty="0"/>
-              <a:t> version of the code but we neglected the fact that we need to take care of the number of threads instead we used the defaults ones.</a:t>
+              <a:t> version of the code.</a:t>
             </a:r>
           </a:p>
           <a:p>
@@ -13499,6 +13505,460 @@
     <p:extLst>
       <p:ext uri="{BB962C8B-B14F-4D97-AF65-F5344CB8AC3E}">
         <p14:creationId xmlns:p14="http://schemas.microsoft.com/office/powerpoint/2010/main" val="1485132752"/>
+      </p:ext>
+    </p:extLst>
+  </p:cSld>
+  <p:clrMapOvr>
+    <a:masterClrMapping/>
+  </p:clrMapOvr>
+</p:sld>
+</file>
+
+<file path=ppt/slides/slide8.xml><?xml version="1.0" encoding="utf-8"?>
+<p:sld xmlns:a="http://schemas.openxmlformats.org/drawingml/2006/main" xmlns:r="http://schemas.openxmlformats.org/officeDocument/2006/relationships" xmlns:p="http://schemas.openxmlformats.org/presentationml/2006/main">
+  <p:cSld>
+    <p:spTree>
+      <p:nvGrpSpPr>
+        <p:cNvPr id="1" name=""/>
+        <p:cNvGrpSpPr/>
+        <p:nvPr/>
+      </p:nvGrpSpPr>
+      <p:grpSpPr>
+        <a:xfrm>
+          <a:off x="0" y="0"/>
+          <a:ext cx="0" cy="0"/>
+          <a:chOff x="0" y="0"/>
+          <a:chExt cx="0" cy="0"/>
+        </a:xfrm>
+      </p:grpSpPr>
+      <p:sp>
+        <p:nvSpPr>
+          <p:cNvPr id="3" name="Content Placeholder 2">
+            <a:extLst>
+              <a:ext uri="{FF2B5EF4-FFF2-40B4-BE49-F238E27FC236}">
+                <a16:creationId xmlns:a16="http://schemas.microsoft.com/office/drawing/2014/main" id="{9767BBA0-248B-0B48-BC49-526008ADCE73}"/>
+              </a:ext>
+            </a:extLst>
+          </p:cNvPr>
+          <p:cNvSpPr>
+            <a:spLocks noGrp="1"/>
+          </p:cNvSpPr>
+          <p:nvPr>
+            <p:ph idx="1"/>
+          </p:nvPr>
+        </p:nvSpPr>
+        <p:spPr>
+          <a:xfrm>
+            <a:off x="1158346" y="149754"/>
+            <a:ext cx="9905999" cy="646113"/>
+          </a:xfrm>
+        </p:spPr>
+        <p:txBody>
+          <a:bodyPr/>
+          <a:lstStyle/>
+          <a:p>
+            <a:r>
+              <a:rPr lang="en-US" dirty="0"/>
+              <a:t>Execution Time for using </a:t>
+            </a:r>
+            <a:r>
+              <a:rPr lang="en-US" dirty="0" err="1"/>
+              <a:t>acc</a:t>
+            </a:r>
+            <a:r>
+              <a:rPr lang="en-US" dirty="0"/>
+              <a:t> where M = 1,000,000</a:t>
+            </a:r>
+          </a:p>
+          <a:p>
+            <a:endParaRPr lang="en-US" dirty="0"/>
+          </a:p>
+        </p:txBody>
+      </p:sp>
+      <p:graphicFrame>
+        <p:nvGraphicFramePr>
+          <p:cNvPr id="4" name="Table 3">
+            <a:extLst>
+              <a:ext uri="{FF2B5EF4-FFF2-40B4-BE49-F238E27FC236}">
+                <a16:creationId xmlns:a16="http://schemas.microsoft.com/office/drawing/2014/main" id="{09CC0B7B-02C7-6946-A861-341879907364}"/>
+              </a:ext>
+            </a:extLst>
+          </p:cNvPr>
+          <p:cNvGraphicFramePr>
+            <a:graphicFrameLocks noGrp="1"/>
+          </p:cNvGraphicFramePr>
+          <p:nvPr>
+            <p:extLst>
+              <p:ext uri="{D42A27DB-BD31-4B8C-83A1-F6EECF244321}">
+                <p14:modId xmlns:p14="http://schemas.microsoft.com/office/powerpoint/2010/main" val="3364674067"/>
+              </p:ext>
+            </p:extLst>
+          </p:nvPr>
+        </p:nvGraphicFramePr>
+        <p:xfrm>
+          <a:off x="474133" y="719665"/>
+          <a:ext cx="10590210" cy="1731434"/>
+        </p:xfrm>
+        <a:graphic>
+          <a:graphicData uri="http://schemas.openxmlformats.org/drawingml/2006/table">
+            <a:tbl>
+              <a:tblPr firstRow="1" bandRow="1">
+                <a:tableStyleId>{D7AC3CCA-C797-4891-BE02-D94E43425B78}</a:tableStyleId>
+              </a:tblPr>
+              <a:tblGrid>
+                <a:gridCol w="1059021">
+                  <a:extLst>
+                    <a:ext uri="{9D8B030D-6E8A-4147-A177-3AD203B41FA5}">
+                      <a16:colId xmlns:a16="http://schemas.microsoft.com/office/drawing/2014/main" val="4272818618"/>
+                    </a:ext>
+                  </a:extLst>
+                </a:gridCol>
+                <a:gridCol w="1059021">
+                  <a:extLst>
+                    <a:ext uri="{9D8B030D-6E8A-4147-A177-3AD203B41FA5}">
+                      <a16:colId xmlns:a16="http://schemas.microsoft.com/office/drawing/2014/main" val="2505617403"/>
+                    </a:ext>
+                  </a:extLst>
+                </a:gridCol>
+                <a:gridCol w="1059021">
+                  <a:extLst>
+                    <a:ext uri="{9D8B030D-6E8A-4147-A177-3AD203B41FA5}">
+                      <a16:colId xmlns:a16="http://schemas.microsoft.com/office/drawing/2014/main" val="311102604"/>
+                    </a:ext>
+                  </a:extLst>
+                </a:gridCol>
+                <a:gridCol w="1059021">
+                  <a:extLst>
+                    <a:ext uri="{9D8B030D-6E8A-4147-A177-3AD203B41FA5}">
+                      <a16:colId xmlns:a16="http://schemas.microsoft.com/office/drawing/2014/main" val="2893059223"/>
+                    </a:ext>
+                  </a:extLst>
+                </a:gridCol>
+                <a:gridCol w="1059021">
+                  <a:extLst>
+                    <a:ext uri="{9D8B030D-6E8A-4147-A177-3AD203B41FA5}">
+                      <a16:colId xmlns:a16="http://schemas.microsoft.com/office/drawing/2014/main" val="3307621844"/>
+                    </a:ext>
+                  </a:extLst>
+                </a:gridCol>
+                <a:gridCol w="1059021">
+                  <a:extLst>
+                    <a:ext uri="{9D8B030D-6E8A-4147-A177-3AD203B41FA5}">
+                      <a16:colId xmlns:a16="http://schemas.microsoft.com/office/drawing/2014/main" val="1003829061"/>
+                    </a:ext>
+                  </a:extLst>
+                </a:gridCol>
+                <a:gridCol w="1059021">
+                  <a:extLst>
+                    <a:ext uri="{9D8B030D-6E8A-4147-A177-3AD203B41FA5}">
+                      <a16:colId xmlns:a16="http://schemas.microsoft.com/office/drawing/2014/main" val="2874504686"/>
+                    </a:ext>
+                  </a:extLst>
+                </a:gridCol>
+                <a:gridCol w="1059021">
+                  <a:extLst>
+                    <a:ext uri="{9D8B030D-6E8A-4147-A177-3AD203B41FA5}">
+                      <a16:colId xmlns:a16="http://schemas.microsoft.com/office/drawing/2014/main" val="1424208775"/>
+                    </a:ext>
+                  </a:extLst>
+                </a:gridCol>
+                <a:gridCol w="1059021">
+                  <a:extLst>
+                    <a:ext uri="{9D8B030D-6E8A-4147-A177-3AD203B41FA5}">
+                      <a16:colId xmlns:a16="http://schemas.microsoft.com/office/drawing/2014/main" val="233641245"/>
+                    </a:ext>
+                  </a:extLst>
+                </a:gridCol>
+                <a:gridCol w="1059021">
+                  <a:extLst>
+                    <a:ext uri="{9D8B030D-6E8A-4147-A177-3AD203B41FA5}">
+                      <a16:colId xmlns:a16="http://schemas.microsoft.com/office/drawing/2014/main" val="4253413155"/>
+                    </a:ext>
+                  </a:extLst>
+                </a:gridCol>
+              </a:tblGrid>
+              <a:tr h="817034">
+                <a:tc>
+                  <a:txBody>
+                    <a:bodyPr/>
+                    <a:lstStyle/>
+                    <a:p>
+                      <a:r>
+                        <a:rPr lang="en-US" dirty="0"/>
+                        <a:t># of Threads</a:t>
+                      </a:r>
+                    </a:p>
+                  </a:txBody>
+                  <a:tcPr/>
+                </a:tc>
+                <a:tc>
+                  <a:txBody>
+                    <a:bodyPr/>
+                    <a:lstStyle/>
+                    <a:p>
+                      <a:r>
+                        <a:rPr lang="en-US" dirty="0"/>
+                        <a:t>1</a:t>
+                      </a:r>
+                    </a:p>
+                  </a:txBody>
+                  <a:tcPr/>
+                </a:tc>
+                <a:tc>
+                  <a:txBody>
+                    <a:bodyPr/>
+                    <a:lstStyle/>
+                    <a:p>
+                      <a:r>
+                        <a:rPr lang="en-US" dirty="0"/>
+                        <a:t>2</a:t>
+                      </a:r>
+                    </a:p>
+                  </a:txBody>
+                  <a:tcPr/>
+                </a:tc>
+                <a:tc>
+                  <a:txBody>
+                    <a:bodyPr/>
+                    <a:lstStyle/>
+                    <a:p>
+                      <a:r>
+                        <a:rPr lang="en-US" dirty="0"/>
+                        <a:t>4</a:t>
+                      </a:r>
+                    </a:p>
+                  </a:txBody>
+                  <a:tcPr/>
+                </a:tc>
+                <a:tc>
+                  <a:txBody>
+                    <a:bodyPr/>
+                    <a:lstStyle/>
+                    <a:p>
+                      <a:r>
+                        <a:rPr lang="en-US" dirty="0"/>
+                        <a:t>6</a:t>
+                      </a:r>
+                    </a:p>
+                  </a:txBody>
+                  <a:tcPr/>
+                </a:tc>
+                <a:tc>
+                  <a:txBody>
+                    <a:bodyPr/>
+                    <a:lstStyle/>
+                    <a:p>
+                      <a:r>
+                        <a:rPr lang="en-US" dirty="0"/>
+                        <a:t>8</a:t>
+                      </a:r>
+                    </a:p>
+                  </a:txBody>
+                  <a:tcPr/>
+                </a:tc>
+                <a:tc>
+                  <a:txBody>
+                    <a:bodyPr/>
+                    <a:lstStyle/>
+                    <a:p>
+                      <a:r>
+                        <a:rPr lang="en-US" dirty="0"/>
+                        <a:t>10</a:t>
+                      </a:r>
+                    </a:p>
+                  </a:txBody>
+                  <a:tcPr/>
+                </a:tc>
+                <a:tc>
+                  <a:txBody>
+                    <a:bodyPr/>
+                    <a:lstStyle/>
+                    <a:p>
+                      <a:r>
+                        <a:rPr lang="en-US" dirty="0"/>
+                        <a:t>12</a:t>
+                      </a:r>
+                    </a:p>
+                  </a:txBody>
+                  <a:tcPr/>
+                </a:tc>
+                <a:tc>
+                  <a:txBody>
+                    <a:bodyPr/>
+                    <a:lstStyle/>
+                    <a:p>
+                      <a:r>
+                        <a:rPr lang="en-US" dirty="0"/>
+                        <a:t>14</a:t>
+                      </a:r>
+                    </a:p>
+                  </a:txBody>
+                  <a:tcPr/>
+                </a:tc>
+                <a:tc>
+                  <a:txBody>
+                    <a:bodyPr/>
+                    <a:lstStyle/>
+                    <a:p>
+                      <a:r>
+                        <a:rPr lang="en-US" dirty="0"/>
+                        <a:t>16</a:t>
+                      </a:r>
+                    </a:p>
+                  </a:txBody>
+                  <a:tcPr/>
+                </a:tc>
+                <a:extLst>
+                  <a:ext uri="{0D108BD9-81ED-4DB2-BD59-A6C34878D82A}">
+                    <a16:rowId xmlns:a16="http://schemas.microsoft.com/office/drawing/2014/main" val="2834518185"/>
+                  </a:ext>
+                </a:extLst>
+              </a:tr>
+              <a:tr h="817034">
+                <a:tc>
+                  <a:txBody>
+                    <a:bodyPr/>
+                    <a:lstStyle/>
+                    <a:p>
+                      <a:r>
+                        <a:rPr lang="en-US" dirty="0"/>
+                        <a:t>Execution time in seconds</a:t>
+                      </a:r>
+                    </a:p>
+                  </a:txBody>
+                  <a:tcPr/>
+                </a:tc>
+                <a:tc>
+                  <a:txBody>
+                    <a:bodyPr/>
+                    <a:lstStyle/>
+                    <a:p>
+                      <a:r>
+                        <a:rPr lang="en-US" dirty="0"/>
+                        <a:t>0.008</a:t>
+                      </a:r>
+                    </a:p>
+                  </a:txBody>
+                  <a:tcPr/>
+                </a:tc>
+                <a:tc>
+                  <a:txBody>
+                    <a:bodyPr/>
+                    <a:lstStyle/>
+                    <a:p>
+                      <a:r>
+                        <a:rPr lang="en-US" dirty="0"/>
+                        <a:t>0.012</a:t>
+                      </a:r>
+                    </a:p>
+                  </a:txBody>
+                  <a:tcPr/>
+                </a:tc>
+                <a:tc>
+                  <a:txBody>
+                    <a:bodyPr/>
+                    <a:lstStyle/>
+                    <a:p>
+                      <a:r>
+                        <a:rPr lang="en-US" dirty="0"/>
+                        <a:t>0.013</a:t>
+                      </a:r>
+                    </a:p>
+                  </a:txBody>
+                  <a:tcPr/>
+                </a:tc>
+                <a:tc>
+                  <a:txBody>
+                    <a:bodyPr/>
+                    <a:lstStyle/>
+                    <a:p>
+                      <a:r>
+                        <a:rPr lang="en-US" dirty="0"/>
+                        <a:t>0.006</a:t>
+                      </a:r>
+                    </a:p>
+                  </a:txBody>
+                  <a:tcPr/>
+                </a:tc>
+                <a:tc>
+                  <a:txBody>
+                    <a:bodyPr/>
+                    <a:lstStyle/>
+                    <a:p>
+                      <a:r>
+                        <a:rPr lang="en-US" dirty="0"/>
+                        <a:t>0.017</a:t>
+                      </a:r>
+                    </a:p>
+                  </a:txBody>
+                  <a:tcPr/>
+                </a:tc>
+                <a:tc>
+                  <a:txBody>
+                    <a:bodyPr/>
+                    <a:lstStyle/>
+                    <a:p>
+                      <a:r>
+                        <a:rPr lang="en-US" dirty="0"/>
+                        <a:t>0.0203</a:t>
+                      </a:r>
+                    </a:p>
+                  </a:txBody>
+                  <a:tcPr/>
+                </a:tc>
+                <a:tc>
+                  <a:txBody>
+                    <a:bodyPr/>
+                    <a:lstStyle/>
+                    <a:p>
+                      <a:r>
+                        <a:rPr lang="en-US" dirty="0"/>
+                        <a:t>0.018</a:t>
+                      </a:r>
+                    </a:p>
+                  </a:txBody>
+                  <a:tcPr/>
+                </a:tc>
+                <a:tc>
+                  <a:txBody>
+                    <a:bodyPr/>
+                    <a:lstStyle/>
+                    <a:p>
+                      <a:r>
+                        <a:rPr lang="en-US" dirty="0"/>
+                        <a:t>0.019</a:t>
+                      </a:r>
+                    </a:p>
+                  </a:txBody>
+                  <a:tcPr/>
+                </a:tc>
+                <a:tc>
+                  <a:txBody>
+                    <a:bodyPr/>
+                    <a:lstStyle/>
+                    <a:p>
+                      <a:r>
+                        <a:rPr lang="en-US" dirty="0"/>
+                        <a:t>0.013</a:t>
+                      </a:r>
+                    </a:p>
+                  </a:txBody>
+                  <a:tcPr/>
+                </a:tc>
+                <a:extLst>
+                  <a:ext uri="{0D108BD9-81ED-4DB2-BD59-A6C34878D82A}">
+                    <a16:rowId xmlns:a16="http://schemas.microsoft.com/office/drawing/2014/main" val="2910346543"/>
+                  </a:ext>
+                </a:extLst>
+              </a:tr>
+            </a:tbl>
+          </a:graphicData>
+        </a:graphic>
+      </p:graphicFrame>
+    </p:spTree>
+    <p:extLst>
+      <p:ext uri="{BB962C8B-B14F-4D97-AF65-F5344CB8AC3E}">
+        <p14:creationId xmlns:p14="http://schemas.microsoft.com/office/powerpoint/2010/main" val="5038608"/>
       </p:ext>
     </p:extLst>
   </p:cSld>
